--- a/Presentations/10 - Introduction Python and Scikit-learn.pptx
+++ b/Presentations/10 - Introduction Python and Scikit-learn.pptx
@@ -946,7 +946,7 @@
           <a:lstStyle/>
           <a:p>
             <a:fld id="{383FCE59-ED68-1145-BEA5-66C22E95295E}" type="datetimeFigureOut">
-              <a:t>14.01.2024</a:t>
+              <a:t>18.07.2024</a:t>
             </a:fld>
             <a:endParaRPr lang="en-CH"/>
           </a:p>
@@ -1155,7 +1155,7 @@
           <a:lstStyle/>
           <a:p>
             <a:fld id="{383FCE59-ED68-1145-BEA5-66C22E95295E}" type="datetimeFigureOut">
-              <a:t>14.01.2024</a:t>
+              <a:t>18.07.2024</a:t>
             </a:fld>
             <a:endParaRPr lang="en-CH"/>
           </a:p>
@@ -1374,7 +1374,7 @@
           <a:lstStyle/>
           <a:p>
             <a:fld id="{383FCE59-ED68-1145-BEA5-66C22E95295E}" type="datetimeFigureOut">
-              <a:t>14.01.2024</a:t>
+              <a:t>18.07.2024</a:t>
             </a:fld>
             <a:endParaRPr lang="en-CH"/>
           </a:p>
@@ -1583,7 +1583,7 @@
           <a:lstStyle/>
           <a:p>
             <a:fld id="{383FCE59-ED68-1145-BEA5-66C22E95295E}" type="datetimeFigureOut">
-              <a:t>14.01.2024</a:t>
+              <a:t>18.07.2024</a:t>
             </a:fld>
             <a:endParaRPr lang="en-CH"/>
           </a:p>
@@ -1868,7 +1868,7 @@
           <a:lstStyle/>
           <a:p>
             <a:fld id="{383FCE59-ED68-1145-BEA5-66C22E95295E}" type="datetimeFigureOut">
-              <a:t>14.01.2024</a:t>
+              <a:t>18.07.2024</a:t>
             </a:fld>
             <a:endParaRPr lang="en-CH"/>
           </a:p>
@@ -2145,7 +2145,7 @@
           <a:lstStyle/>
           <a:p>
             <a:fld id="{383FCE59-ED68-1145-BEA5-66C22E95295E}" type="datetimeFigureOut">
-              <a:t>14.01.2024</a:t>
+              <a:t>18.07.2024</a:t>
             </a:fld>
             <a:endParaRPr lang="en-CH"/>
           </a:p>
@@ -2569,7 +2569,7 @@
           <a:lstStyle/>
           <a:p>
             <a:fld id="{383FCE59-ED68-1145-BEA5-66C22E95295E}" type="datetimeFigureOut">
-              <a:t>14.01.2024</a:t>
+              <a:t>18.07.2024</a:t>
             </a:fld>
             <a:endParaRPr lang="en-CH"/>
           </a:p>
@@ -2720,7 +2720,7 @@
           <a:lstStyle/>
           <a:p>
             <a:fld id="{383FCE59-ED68-1145-BEA5-66C22E95295E}" type="datetimeFigureOut">
-              <a:t>14.01.2024</a:t>
+              <a:t>18.07.2024</a:t>
             </a:fld>
             <a:endParaRPr lang="en-CH"/>
           </a:p>
@@ -2842,7 +2842,7 @@
           <a:lstStyle/>
           <a:p>
             <a:fld id="{383FCE59-ED68-1145-BEA5-66C22E95295E}" type="datetimeFigureOut">
-              <a:t>14.01.2024</a:t>
+              <a:t>18.07.2024</a:t>
             </a:fld>
             <a:endParaRPr lang="en-CH"/>
           </a:p>
@@ -3164,7 +3164,7 @@
           <a:lstStyle/>
           <a:p>
             <a:fld id="{383FCE59-ED68-1145-BEA5-66C22E95295E}" type="datetimeFigureOut">
-              <a:t>14.01.2024</a:t>
+              <a:t>18.07.2024</a:t>
             </a:fld>
             <a:endParaRPr lang="en-CH"/>
           </a:p>
@@ -3462,7 +3462,7 @@
           <a:lstStyle/>
           <a:p>
             <a:fld id="{383FCE59-ED68-1145-BEA5-66C22E95295E}" type="datetimeFigureOut">
-              <a:t>14.01.2024</a:t>
+              <a:t>18.07.2024</a:t>
             </a:fld>
             <a:endParaRPr lang="en-CH"/>
           </a:p>
@@ -3717,7 +3717,7 @@
             <a:fld id="{383FCE59-ED68-1145-BEA5-66C22E95295E}" type="datetimeFigureOut">
               <a:rPr lang="en-CH"/>
               <a:pPr/>
-              <a:t>14.01.2024</a:t>
+              <a:t>18.07.2024</a:t>
             </a:fld>
             <a:endParaRPr lang="en-CH"/>
           </a:p>
@@ -4280,10 +4280,16 @@
               </a:spcBef>
             </a:pPr>
             <a:r>
-              <a:rPr lang="en-GB" sz="2200">
+              <a:rPr lang="en-GB" sz="2200" dirty="0" err="1">
                 <a:latin typeface="Arial" panose="020B0604020202020204" pitchFamily="34" charset="0"/>
               </a:rPr>
-              <a:t>Dr. U. Michelucci (TOELT)</a:t>
+              <a:t>Dr.</a:t>
+            </a:r>
+            <a:r>
+              <a:rPr lang="en-GB" sz="2200" dirty="0">
+                <a:latin typeface="Arial" panose="020B0604020202020204" pitchFamily="34" charset="0"/>
+              </a:rPr>
+              <a:t> U. Michelucci (TOELT)</a:t>
             </a:r>
           </a:p>
           <a:p>
@@ -4293,10 +4299,34 @@
               </a:spcBef>
             </a:pPr>
             <a:r>
-              <a:rPr lang="en-GB" sz="2200">
+              <a:rPr lang="en-GB" sz="2200" dirty="0">
                 <a:latin typeface="Arial" panose="020B0604020202020204" pitchFamily="34" charset="0"/>
               </a:rPr>
-              <a:t>(with slides from M. Sperti, POLITO)</a:t>
+              <a:t>(with slides from </a:t>
+            </a:r>
+            <a:r>
+              <a:rPr lang="en-GB" sz="2200" dirty="0" err="1">
+                <a:latin typeface="Arial" panose="020B0604020202020204" pitchFamily="34" charset="0"/>
+              </a:rPr>
+              <a:t>Dr.</a:t>
+            </a:r>
+            <a:r>
+              <a:rPr lang="en-GB" sz="2200" dirty="0">
+                <a:latin typeface="Arial" panose="020B0604020202020204" pitchFamily="34" charset="0"/>
+              </a:rPr>
+              <a:t> M. </a:t>
+            </a:r>
+            <a:r>
+              <a:rPr lang="en-GB" sz="2200" dirty="0" err="1">
+                <a:latin typeface="Arial" panose="020B0604020202020204" pitchFamily="34" charset="0"/>
+              </a:rPr>
+              <a:t>Sperti</a:t>
+            </a:r>
+            <a:r>
+              <a:rPr lang="en-GB" sz="2200" dirty="0">
+                <a:latin typeface="Arial" panose="020B0604020202020204" pitchFamily="34" charset="0"/>
+              </a:rPr>
+              <a:t>, POLITO)</a:t>
             </a:r>
           </a:p>
         </p:txBody>
